--- a/Lecture_4/Lecture 4.pptx
+++ b/Lecture_4/Lecture 4.pptx
@@ -256,7 +256,7 @@
           <a:p>
             <a:fld id="{E74F0A26-4E53-4C1A-91CE-235D519BF880}" type="datetimeFigureOut">
               <a:rPr lang="ru-RU" smtClean="0"/>
-              <a:t>06.04.2017</a:t>
+              <a:t>07.12.2018</a:t>
             </a:fld>
             <a:endParaRPr lang="ru-RU"/>
           </a:p>
@@ -424,7 +424,7 @@
           <a:p>
             <a:fld id="{E74F0A26-4E53-4C1A-91CE-235D519BF880}" type="datetimeFigureOut">
               <a:rPr lang="ru-RU" smtClean="0"/>
-              <a:t>06.04.2017</a:t>
+              <a:t>07.12.2018</a:t>
             </a:fld>
             <a:endParaRPr lang="ru-RU"/>
           </a:p>
@@ -602,7 +602,7 @@
           <a:p>
             <a:fld id="{E74F0A26-4E53-4C1A-91CE-235D519BF880}" type="datetimeFigureOut">
               <a:rPr lang="ru-RU" smtClean="0"/>
-              <a:t>06.04.2017</a:t>
+              <a:t>07.12.2018</a:t>
             </a:fld>
             <a:endParaRPr lang="ru-RU"/>
           </a:p>
@@ -770,7 +770,7 @@
           <a:p>
             <a:fld id="{E74F0A26-4E53-4C1A-91CE-235D519BF880}" type="datetimeFigureOut">
               <a:rPr lang="ru-RU" smtClean="0"/>
-              <a:t>06.04.2017</a:t>
+              <a:t>07.12.2018</a:t>
             </a:fld>
             <a:endParaRPr lang="ru-RU"/>
           </a:p>
@@ -1015,7 +1015,7 @@
           <a:p>
             <a:fld id="{E74F0A26-4E53-4C1A-91CE-235D519BF880}" type="datetimeFigureOut">
               <a:rPr lang="ru-RU" smtClean="0"/>
-              <a:t>06.04.2017</a:t>
+              <a:t>07.12.2018</a:t>
             </a:fld>
             <a:endParaRPr lang="ru-RU"/>
           </a:p>
@@ -1244,7 +1244,7 @@
           <a:p>
             <a:fld id="{E74F0A26-4E53-4C1A-91CE-235D519BF880}" type="datetimeFigureOut">
               <a:rPr lang="ru-RU" smtClean="0"/>
-              <a:t>06.04.2017</a:t>
+              <a:t>07.12.2018</a:t>
             </a:fld>
             <a:endParaRPr lang="ru-RU"/>
           </a:p>
@@ -1608,7 +1608,7 @@
           <a:p>
             <a:fld id="{E74F0A26-4E53-4C1A-91CE-235D519BF880}" type="datetimeFigureOut">
               <a:rPr lang="ru-RU" smtClean="0"/>
-              <a:t>06.04.2017</a:t>
+              <a:t>07.12.2018</a:t>
             </a:fld>
             <a:endParaRPr lang="ru-RU"/>
           </a:p>
@@ -1725,7 +1725,7 @@
           <a:p>
             <a:fld id="{E74F0A26-4E53-4C1A-91CE-235D519BF880}" type="datetimeFigureOut">
               <a:rPr lang="ru-RU" smtClean="0"/>
-              <a:t>06.04.2017</a:t>
+              <a:t>07.12.2018</a:t>
             </a:fld>
             <a:endParaRPr lang="ru-RU"/>
           </a:p>
@@ -1820,7 +1820,7 @@
           <a:p>
             <a:fld id="{E74F0A26-4E53-4C1A-91CE-235D519BF880}" type="datetimeFigureOut">
               <a:rPr lang="ru-RU" smtClean="0"/>
-              <a:t>06.04.2017</a:t>
+              <a:t>07.12.2018</a:t>
             </a:fld>
             <a:endParaRPr lang="ru-RU"/>
           </a:p>
@@ -2095,7 +2095,7 @@
           <a:p>
             <a:fld id="{E74F0A26-4E53-4C1A-91CE-235D519BF880}" type="datetimeFigureOut">
               <a:rPr lang="ru-RU" smtClean="0"/>
-              <a:t>06.04.2017</a:t>
+              <a:t>07.12.2018</a:t>
             </a:fld>
             <a:endParaRPr lang="ru-RU"/>
           </a:p>
@@ -2347,7 +2347,7 @@
           <a:p>
             <a:fld id="{E74F0A26-4E53-4C1A-91CE-235D519BF880}" type="datetimeFigureOut">
               <a:rPr lang="ru-RU" smtClean="0"/>
-              <a:t>06.04.2017</a:t>
+              <a:t>07.12.2018</a:t>
             </a:fld>
             <a:endParaRPr lang="ru-RU"/>
           </a:p>
@@ -2558,7 +2558,7 @@
           <a:p>
             <a:fld id="{E74F0A26-4E53-4C1A-91CE-235D519BF880}" type="datetimeFigureOut">
               <a:rPr lang="ru-RU" smtClean="0"/>
-              <a:t>06.04.2017</a:t>
+              <a:t>07.12.2018</a:t>
             </a:fld>
             <a:endParaRPr lang="ru-RU"/>
           </a:p>
@@ -3449,8 +3449,8 @@
           </a:prstGeom>
         </p:spPr>
       </p:pic>
-      <mc:AlternateContent xmlns:mc="http://schemas.openxmlformats.org/markup-compatibility/2006">
-        <mc:Choice xmlns:a14="http://schemas.microsoft.com/office/drawing/2010/main" Requires="a14">
+      <mc:AlternateContent xmlns:mc="http://schemas.openxmlformats.org/markup-compatibility/2006" xmlns:a14="http://schemas.microsoft.com/office/drawing/2010/main">
+        <mc:Choice Requires="a14">
           <p:sp>
             <p:nvSpPr>
               <p:cNvPr id="8" name="Прямоугольник 7"/>
@@ -3765,7 +3765,7 @@
             </p:txBody>
           </p:sp>
         </mc:Choice>
-        <mc:Fallback>
+        <mc:Fallback xmlns="">
           <p:sp>
             <p:nvSpPr>
               <p:cNvPr id="8" name="Прямоугольник 7"/>
@@ -3857,8 +3857,8 @@
           </a:p>
         </p:txBody>
       </p:sp>
-      <mc:AlternateContent xmlns:mc="http://schemas.openxmlformats.org/markup-compatibility/2006">
-        <mc:Choice xmlns:a14="http://schemas.microsoft.com/office/drawing/2010/main" Requires="a14">
+      <mc:AlternateContent xmlns:mc="http://schemas.openxmlformats.org/markup-compatibility/2006" xmlns:a14="http://schemas.microsoft.com/office/drawing/2010/main">
+        <mc:Choice Requires="a14">
           <p:sp>
             <p:nvSpPr>
               <p:cNvPr id="4" name="Прямоугольник 3"/>
@@ -4120,8 +4120,8 @@
                     <m:sSub>
                       <m:sSubPr>
                         <m:ctrlPr>
-                          <a:rPr lang="ru-RU" sz="2400">
-                            <a:latin typeface="Times New Roman" panose="02020603050405020304" pitchFamily="18" charset="0"/>
+                          <a:rPr lang="ru-RU" sz="2400" i="1">
+                            <a:latin typeface="Cambria Math" panose="02040503050406030204" pitchFamily="18" charset="0"/>
                             <a:ea typeface="AngsanaUPC"/>
                             <a:cs typeface="AngsanaUPC"/>
                           </a:rPr>
@@ -4130,7 +4130,7 @@
                       <m:e>
                         <m:r>
                           <a:rPr lang="en-US" sz="2400">
-                            <a:latin typeface="Times New Roman" panose="02020603050405020304" pitchFamily="18" charset="0"/>
+                            <a:latin typeface="Cambria Math" panose="02040503050406030204" pitchFamily="18" charset="0"/>
                             <a:ea typeface="AngsanaUPC"/>
                             <a:cs typeface="AngsanaUPC"/>
                           </a:rPr>
@@ -4140,7 +4140,7 @@
                       <m:sub>
                         <m:r>
                           <a:rPr lang="en-US" sz="2400">
-                            <a:latin typeface="Times New Roman" panose="02020603050405020304" pitchFamily="18" charset="0"/>
+                            <a:latin typeface="Cambria Math" panose="02040503050406030204" pitchFamily="18" charset="0"/>
                             <a:ea typeface="AngsanaUPC"/>
                             <a:cs typeface="AngsanaUPC"/>
                           </a:rPr>
@@ -4163,8 +4163,8 @@
                     <m:sSub>
                       <m:sSubPr>
                         <m:ctrlPr>
-                          <a:rPr lang="ru-RU" sz="2400">
-                            <a:latin typeface="Times New Roman" panose="02020603050405020304" pitchFamily="18" charset="0"/>
+                          <a:rPr lang="ru-RU" sz="2400" i="1">
+                            <a:latin typeface="Cambria Math" panose="02040503050406030204" pitchFamily="18" charset="0"/>
                             <a:ea typeface="AngsanaUPC"/>
                             <a:cs typeface="AngsanaUPC"/>
                           </a:rPr>
@@ -4173,7 +4173,7 @@
                       <m:e>
                         <m:r>
                           <a:rPr lang="en-US" sz="2400">
-                            <a:latin typeface="Times New Roman" panose="02020603050405020304" pitchFamily="18" charset="0"/>
+                            <a:latin typeface="Cambria Math" panose="02040503050406030204" pitchFamily="18" charset="0"/>
                             <a:ea typeface="AngsanaUPC"/>
                             <a:cs typeface="AngsanaUPC"/>
                           </a:rPr>
@@ -4183,7 +4183,7 @@
                       <m:sub>
                         <m:r>
                           <a:rPr lang="en-US" sz="2400">
-                            <a:latin typeface="Times New Roman" panose="02020603050405020304" pitchFamily="18" charset="0"/>
+                            <a:latin typeface="Cambria Math" panose="02040503050406030204" pitchFamily="18" charset="0"/>
                             <a:ea typeface="AngsanaUPC"/>
                             <a:cs typeface="AngsanaUPC"/>
                           </a:rPr>
@@ -4193,7 +4193,7 @@
                     </m:sSub>
                     <m:r>
                       <a:rPr lang="en-US" sz="2400">
-                        <a:latin typeface="Times New Roman" panose="02020603050405020304" pitchFamily="18" charset="0"/>
+                        <a:latin typeface="Cambria Math" panose="02040503050406030204" pitchFamily="18" charset="0"/>
                         <a:ea typeface="AngsanaUPC"/>
                         <a:cs typeface="AngsanaUPC"/>
                       </a:rPr>
@@ -4201,7 +4201,7 @@
                     </m:r>
                     <m:r>
                       <a:rPr lang="en-US" sz="2400">
-                        <a:latin typeface="Times New Roman" panose="02020603050405020304" pitchFamily="18" charset="0"/>
+                        <a:latin typeface="Cambria Math" panose="02040503050406030204" pitchFamily="18" charset="0"/>
                         <a:ea typeface="AngsanaUPC"/>
                         <a:cs typeface="AngsanaUPC"/>
                       </a:rPr>
@@ -4222,8 +4222,8 @@
                     <m:sSub>
                       <m:sSubPr>
                         <m:ctrlPr>
-                          <a:rPr lang="ru-RU" sz="2400">
-                            <a:latin typeface="Times New Roman" panose="02020603050405020304" pitchFamily="18" charset="0"/>
+                          <a:rPr lang="ru-RU" sz="2400" i="1">
+                            <a:latin typeface="Cambria Math" panose="02040503050406030204" pitchFamily="18" charset="0"/>
                             <a:ea typeface="AngsanaUPC"/>
                             <a:cs typeface="AngsanaUPC"/>
                           </a:rPr>
@@ -4232,7 +4232,7 @@
                       <m:e>
                         <m:r>
                           <a:rPr lang="en-US" sz="2400">
-                            <a:latin typeface="Times New Roman" panose="02020603050405020304" pitchFamily="18" charset="0"/>
+                            <a:latin typeface="Cambria Math" panose="02040503050406030204" pitchFamily="18" charset="0"/>
                             <a:ea typeface="AngsanaUPC"/>
                             <a:cs typeface="AngsanaUPC"/>
                           </a:rPr>
@@ -4242,7 +4242,7 @@
                       <m:sub>
                         <m:r>
                           <a:rPr lang="en-US" sz="2400">
-                            <a:latin typeface="Times New Roman" panose="02020603050405020304" pitchFamily="18" charset="0"/>
+                            <a:latin typeface="Cambria Math" panose="02040503050406030204" pitchFamily="18" charset="0"/>
                             <a:ea typeface="AngsanaUPC"/>
                             <a:cs typeface="AngsanaUPC"/>
                           </a:rPr>
@@ -4253,8 +4253,8 @@
                     <m:sSub>
                       <m:sSubPr>
                         <m:ctrlPr>
-                          <a:rPr lang="ru-RU" sz="2400">
-                            <a:latin typeface="Times New Roman" panose="02020603050405020304" pitchFamily="18" charset="0"/>
+                          <a:rPr lang="ru-RU" sz="2400" i="1">
+                            <a:latin typeface="Cambria Math" panose="02040503050406030204" pitchFamily="18" charset="0"/>
                             <a:ea typeface="AngsanaUPC"/>
                             <a:cs typeface="AngsanaUPC"/>
                           </a:rPr>
@@ -4263,7 +4263,7 @@
                       <m:e>
                         <m:r>
                           <a:rPr lang="en-US" sz="2400">
-                            <a:latin typeface="Times New Roman" panose="02020603050405020304" pitchFamily="18" charset="0"/>
+                            <a:latin typeface="Cambria Math" panose="02040503050406030204" pitchFamily="18" charset="0"/>
                             <a:ea typeface="AngsanaUPC"/>
                             <a:cs typeface="AngsanaUPC"/>
                           </a:rPr>
@@ -4273,7 +4273,7 @@
                       <m:sub>
                         <m:r>
                           <a:rPr lang="en-US" sz="2400">
-                            <a:latin typeface="Times New Roman" panose="02020603050405020304" pitchFamily="18" charset="0"/>
+                            <a:latin typeface="Cambria Math" panose="02040503050406030204" pitchFamily="18" charset="0"/>
                             <a:ea typeface="AngsanaUPC"/>
                             <a:cs typeface="AngsanaUPC"/>
                           </a:rPr>
@@ -4283,7 +4283,7 @@
                     </m:sSub>
                     <m:r>
                       <a:rPr lang="en-US" sz="2400">
-                        <a:latin typeface="Times New Roman" panose="02020603050405020304" pitchFamily="18" charset="0"/>
+                        <a:latin typeface="Cambria Math" panose="02040503050406030204" pitchFamily="18" charset="0"/>
                         <a:ea typeface="AngsanaUPC"/>
                         <a:cs typeface="AngsanaUPC"/>
                       </a:rPr>
@@ -4291,7 +4291,7 @@
                     </m:r>
                     <m:r>
                       <a:rPr lang="en-US" sz="2400">
-                        <a:latin typeface="Times New Roman" panose="02020603050405020304" pitchFamily="18" charset="0"/>
+                        <a:latin typeface="Cambria Math" panose="02040503050406030204" pitchFamily="18" charset="0"/>
                         <a:ea typeface="AngsanaUPC"/>
                         <a:cs typeface="AngsanaUPC"/>
                       </a:rPr>
@@ -4299,7 +4299,7 @@
                     </m:r>
                     <m:r>
                       <a:rPr lang="en-US" sz="2400">
-                        <a:latin typeface="Times New Roman" panose="02020603050405020304" pitchFamily="18" charset="0"/>
+                        <a:latin typeface="Cambria Math" panose="02040503050406030204" pitchFamily="18" charset="0"/>
                         <a:ea typeface="AngsanaUPC"/>
                         <a:cs typeface="AngsanaUPC"/>
                       </a:rPr>
@@ -4308,8 +4308,8 @@
                     <m:f>
                       <m:fPr>
                         <m:ctrlPr>
-                          <a:rPr lang="ru-RU" sz="2400">
-                            <a:latin typeface="Times New Roman" panose="02020603050405020304" pitchFamily="18" charset="0"/>
+                          <a:rPr lang="ru-RU" sz="2400" i="1">
+                            <a:latin typeface="Cambria Math" panose="02040503050406030204" pitchFamily="18" charset="0"/>
                             <a:ea typeface="AngsanaUPC"/>
                             <a:cs typeface="AngsanaUPC"/>
                           </a:rPr>
@@ -4318,7 +4318,7 @@
                       <m:num>
                         <m:r>
                           <a:rPr lang="en-US" sz="2400">
-                            <a:latin typeface="Times New Roman" panose="02020603050405020304" pitchFamily="18" charset="0"/>
+                            <a:latin typeface="Cambria Math" panose="02040503050406030204" pitchFamily="18" charset="0"/>
                             <a:ea typeface="AngsanaUPC"/>
                             <a:cs typeface="AngsanaUPC"/>
                           </a:rPr>
@@ -4328,7 +4328,7 @@
                       <m:den>
                         <m:r>
                           <a:rPr lang="en-US" sz="2400">
-                            <a:latin typeface="Times New Roman" panose="02020603050405020304" pitchFamily="18" charset="0"/>
+                            <a:latin typeface="Cambria Math" panose="02040503050406030204" pitchFamily="18" charset="0"/>
                             <a:ea typeface="AngsanaUPC"/>
                             <a:cs typeface="AngsanaUPC"/>
                           </a:rPr>
@@ -4338,7 +4338,7 @@
                     </m:f>
                     <m:r>
                       <a:rPr lang="en-US" sz="2400">
-                        <a:latin typeface="Times New Roman" panose="02020603050405020304" pitchFamily="18" charset="0"/>
+                        <a:latin typeface="Cambria Math" panose="02040503050406030204" pitchFamily="18" charset="0"/>
                         <a:ea typeface="AngsanaUPC"/>
                         <a:cs typeface="AngsanaUPC"/>
                       </a:rPr>
@@ -4346,7 +4346,7 @@
                     </m:r>
                     <m:r>
                       <a:rPr lang="en-US" sz="2400">
-                        <a:latin typeface="Times New Roman" panose="02020603050405020304" pitchFamily="18" charset="0"/>
+                        <a:latin typeface="Cambria Math" panose="02040503050406030204" pitchFamily="18" charset="0"/>
                         <a:ea typeface="AngsanaUPC"/>
                         <a:cs typeface="AngsanaUPC"/>
                       </a:rPr>
@@ -4408,7 +4408,7 @@
             </p:txBody>
           </p:sp>
         </mc:Choice>
-        <mc:Fallback>
+        <mc:Fallback xmlns="">
           <p:sp>
             <p:nvSpPr>
               <p:cNvPr id="4" name="Прямоугольник 3"/>
@@ -4775,8 +4775,8 @@
           </a:p>
         </p:txBody>
       </p:sp>
-      <mc:AlternateContent xmlns:mc="http://schemas.openxmlformats.org/markup-compatibility/2006">
-        <mc:Choice xmlns:a14="http://schemas.microsoft.com/office/drawing/2010/main" Requires="a14">
+      <mc:AlternateContent xmlns:mc="http://schemas.openxmlformats.org/markup-compatibility/2006" xmlns:a14="http://schemas.microsoft.com/office/drawing/2010/main">
+        <mc:Choice Requires="a14">
           <p:sp>
             <p:nvSpPr>
               <p:cNvPr id="4" name="Прямоугольник 3"/>
@@ -4810,7 +4810,9 @@
                     <m:sSub>
                       <m:sSubPr>
                         <m:ctrlPr>
-                          <a:rPr lang="ru-RU" sz="2000"/>
+                          <a:rPr lang="ru-RU" sz="2000" i="1">
+                            <a:latin typeface="Cambria Math" panose="02040503050406030204" pitchFamily="18" charset="0"/>
+                          </a:rPr>
                         </m:ctrlPr>
                       </m:sSubPr>
                       <m:e>
@@ -4818,7 +4820,9 @@
                           <m:rPr>
                             <m:sty m:val="p"/>
                           </m:rPr>
-                          <a:rPr lang="en-US" sz="2000" b="0" i="0"/>
+                          <a:rPr lang="en-US" sz="2000" b="0" i="0">
+                            <a:latin typeface="Cambria Math" panose="02040503050406030204" pitchFamily="18" charset="0"/>
+                          </a:rPr>
                           <m:t>w</m:t>
                         </m:r>
                       </m:e>
@@ -4827,13 +4831,17 @@
                           <m:rPr>
                             <m:sty m:val="p"/>
                           </m:rPr>
-                          <a:rPr lang="en-US" sz="2000" b="0" i="0"/>
+                          <a:rPr lang="en-US" sz="2000" b="0" i="0">
+                            <a:latin typeface="Cambria Math" panose="02040503050406030204" pitchFamily="18" charset="0"/>
+                          </a:rPr>
                           <m:t>i</m:t>
                         </m:r>
                       </m:sub>
                     </m:sSub>
                     <m:r>
-                      <a:rPr lang="en-US" sz="2000" b="0" i="0"/>
+                      <a:rPr lang="en-US" sz="2000" b="0" i="0">
+                        <a:latin typeface="Cambria Math" panose="02040503050406030204" pitchFamily="18" charset="0"/>
+                      </a:rPr>
                       <m:t> </m:t>
                     </m:r>
                   </m:oMath>
@@ -4865,7 +4873,9 @@
                       <m:accPr>
                         <m:chr m:val="⃐"/>
                         <m:ctrlPr>
-                          <a:rPr lang="ru-RU" sz="2000"/>
+                          <a:rPr lang="ru-RU" sz="2000" i="1">
+                            <a:latin typeface="Cambria Math" panose="02040503050406030204" pitchFamily="18" charset="0"/>
+                          </a:rPr>
                         </m:ctrlPr>
                       </m:accPr>
                       <m:e>
@@ -4873,13 +4883,17 @@
                           <m:rPr>
                             <m:sty m:val="p"/>
                           </m:rPr>
-                          <a:rPr lang="en-US" sz="2000" b="0" i="0"/>
+                          <a:rPr lang="en-US" sz="2000" b="0" i="0">
+                            <a:latin typeface="Cambria Math" panose="02040503050406030204" pitchFamily="18" charset="0"/>
+                          </a:rPr>
                           <m:t>w</m:t>
                         </m:r>
                       </m:e>
                     </m:acc>
                     <m:r>
-                      <a:rPr lang="en-US" sz="2000" b="0" i="0"/>
+                      <a:rPr lang="en-US" sz="2000" b="0" i="0">
+                        <a:latin typeface="Cambria Math" panose="02040503050406030204" pitchFamily="18" charset="0"/>
+                      </a:rPr>
                       <m:t> </m:t>
                     </m:r>
                   </m:oMath>
@@ -4899,7 +4913,7 @@
             </p:txBody>
           </p:sp>
         </mc:Choice>
-        <mc:Fallback>
+        <mc:Fallback xmlns="">
           <p:sp>
             <p:nvSpPr>
               <p:cNvPr id="4" name="Прямоугольник 3"/>
@@ -4970,7 +4984,7 @@
         </p:nvSpPr>
         <p:spPr>
           <a:xfrm>
-            <a:off x="838200" y="3289802"/>
+            <a:off x="1109870" y="3428649"/>
             <a:ext cx="10243930" cy="707886"/>
           </a:xfrm>
           <a:prstGeom prst="rect">
@@ -5707,8 +5721,8 @@
           </a:p>
         </p:txBody>
       </p:sp>
-      <mc:AlternateContent xmlns:mc="http://schemas.openxmlformats.org/markup-compatibility/2006">
-        <mc:Choice xmlns:a14="http://schemas.microsoft.com/office/drawing/2010/main" Requires="a14">
+      <mc:AlternateContent xmlns:mc="http://schemas.openxmlformats.org/markup-compatibility/2006" xmlns:a14="http://schemas.microsoft.com/office/drawing/2010/main">
+        <mc:Choice Requires="a14">
           <p:sp>
             <p:nvSpPr>
               <p:cNvPr id="14" name="TextBox 13"/>
@@ -5740,18 +5754,24 @@
                     <m:sSub>
                       <m:sSubPr>
                         <m:ctrlPr>
-                          <a:rPr lang="ru-RU" i="1"/>
+                          <a:rPr lang="ru-RU" i="1">
+                            <a:latin typeface="Cambria Math" panose="02040503050406030204" pitchFamily="18" charset="0"/>
+                          </a:rPr>
                         </m:ctrlPr>
                       </m:sSubPr>
                       <m:e>
                         <m:r>
-                          <a:rPr lang="en-US" i="1"/>
+                          <a:rPr lang="en-US" i="1">
+                            <a:latin typeface="Cambria Math" panose="02040503050406030204" pitchFamily="18" charset="0"/>
+                          </a:rPr>
                           <m:t>𝐴</m:t>
                         </m:r>
                       </m:e>
                       <m:sub>
                         <m:r>
-                          <a:rPr lang="en-US" i="1"/>
+                          <a:rPr lang="en-US" i="1">
+                            <a:latin typeface="Cambria Math" panose="02040503050406030204" pitchFamily="18" charset="0"/>
+                          </a:rPr>
                           <m:t>𝐿</m:t>
                         </m:r>
                       </m:sub>
@@ -5770,7 +5790,7 @@
             </p:txBody>
           </p:sp>
         </mc:Choice>
-        <mc:Fallback>
+        <mc:Fallback xmlns="">
           <p:sp>
             <p:nvSpPr>
               <p:cNvPr id="14" name="TextBox 13"/>
@@ -7026,6 +7046,19 @@
               <a:buNone/>
               <a:tabLst/>
             </a:pPr>
+            <a:r>
+              <a:rPr kumimoji="0" lang="ru-RU" altLang="ru-RU" sz="1800" b="0" i="0" u="none" strike="noStrike" cap="none" normalizeH="0" baseline="0">
+                <a:ln>
+                  <a:noFill/>
+                </a:ln>
+                <a:solidFill>
+                  <a:schemeClr val="tx1"/>
+                </a:solidFill>
+                <a:effectLst/>
+                <a:latin typeface="Arial" panose="020B0604020202020204" pitchFamily="34" charset="0"/>
+              </a:rPr>
+              <a:t/>
+            </a:r>
             <a:br>
               <a:rPr kumimoji="0" lang="ru-RU" altLang="ru-RU" sz="1800" b="0" i="0" u="none" strike="noStrike" cap="none" normalizeH="0" baseline="0">
                 <a:ln>
@@ -7252,6 +7285,19 @@
               <a:buNone/>
               <a:tabLst/>
             </a:pPr>
+            <a:r>
+              <a:rPr kumimoji="0" lang="ru-RU" altLang="ru-RU" sz="1800" b="0" i="0" u="none" strike="noStrike" cap="none" normalizeH="0" baseline="0">
+                <a:ln>
+                  <a:noFill/>
+                </a:ln>
+                <a:solidFill>
+                  <a:schemeClr val="tx1"/>
+                </a:solidFill>
+                <a:effectLst/>
+                <a:latin typeface="Arial" panose="020B0604020202020204" pitchFamily="34" charset="0"/>
+              </a:rPr>
+              <a:t/>
+            </a:r>
             <a:br>
               <a:rPr kumimoji="0" lang="ru-RU" altLang="ru-RU" sz="1800" b="0" i="0" u="none" strike="noStrike" cap="none" normalizeH="0" baseline="0">
                 <a:ln>
@@ -7931,6 +7977,19 @@
               <a:buNone/>
               <a:tabLst/>
             </a:pPr>
+            <a:r>
+              <a:rPr kumimoji="0" lang="ru-RU" altLang="ru-RU" sz="1800" b="0" i="0" u="none" strike="noStrike" cap="none" normalizeH="0" baseline="0">
+                <a:ln>
+                  <a:noFill/>
+                </a:ln>
+                <a:solidFill>
+                  <a:schemeClr val="tx1"/>
+                </a:solidFill>
+                <a:effectLst/>
+                <a:latin typeface="Arial" panose="020B0604020202020204" pitchFamily="34" charset="0"/>
+              </a:rPr>
+              <a:t/>
+            </a:r>
             <a:br>
               <a:rPr kumimoji="0" lang="ru-RU" altLang="ru-RU" sz="1800" b="0" i="0" u="none" strike="noStrike" cap="none" normalizeH="0" baseline="0">
                 <a:ln>
@@ -8149,6 +8208,19 @@
               <a:buNone/>
               <a:tabLst/>
             </a:pPr>
+            <a:r>
+              <a:rPr kumimoji="0" lang="ru-RU" altLang="ru-RU" sz="1800" b="0" i="0" u="none" strike="noStrike" cap="none" normalizeH="0" baseline="0">
+                <a:ln>
+                  <a:noFill/>
+                </a:ln>
+                <a:solidFill>
+                  <a:schemeClr val="tx1"/>
+                </a:solidFill>
+                <a:effectLst/>
+                <a:latin typeface="Arial" panose="020B0604020202020204" pitchFamily="34" charset="0"/>
+              </a:rPr>
+              <a:t/>
+            </a:r>
             <a:br>
               <a:rPr kumimoji="0" lang="ru-RU" altLang="ru-RU" sz="1800" b="0" i="0" u="none" strike="noStrike" cap="none" normalizeH="0" baseline="0">
                 <a:ln>
@@ -8446,8 +8518,8 @@
           </a:p>
         </p:txBody>
       </p:sp>
-      <mc:AlternateContent xmlns:mc="http://schemas.openxmlformats.org/markup-compatibility/2006">
-        <mc:Choice xmlns:a14="http://schemas.microsoft.com/office/drawing/2010/main" Requires="a14">
+      <mc:AlternateContent xmlns:mc="http://schemas.openxmlformats.org/markup-compatibility/2006" xmlns:a14="http://schemas.microsoft.com/office/drawing/2010/main">
+        <mc:Choice Requires="a14">
           <p:sp>
             <p:nvSpPr>
               <p:cNvPr id="3" name="Объект 2"/>
@@ -8540,7 +8612,9 @@
                     <m:sSub>
                       <m:sSubPr>
                         <m:ctrlPr>
-                          <a:rPr lang="ru-RU" sz="2400" i="1"/>
+                          <a:rPr lang="ru-RU" sz="2400" i="1">
+                            <a:latin typeface="Cambria Math" panose="02040503050406030204" pitchFamily="18" charset="0"/>
+                          </a:rPr>
                         </m:ctrlPr>
                       </m:sSubPr>
                       <m:e>
@@ -8548,13 +8622,17 @@
                           <m:rPr>
                             <m:sty m:val="p"/>
                           </m:rPr>
-                          <a:rPr lang="en-US" sz="2400"/>
+                          <a:rPr lang="en-US" sz="2400">
+                            <a:latin typeface="Cambria Math" panose="02040503050406030204" pitchFamily="18" charset="0"/>
+                          </a:rPr>
                           <m:t>a</m:t>
                         </m:r>
                       </m:e>
                       <m:sub>
                         <m:r>
-                          <a:rPr lang="en-US" sz="2400" i="1"/>
+                          <a:rPr lang="en-US" sz="2400" i="1">
+                            <a:latin typeface="Cambria Math" panose="02040503050406030204" pitchFamily="18" charset="0"/>
+                          </a:rPr>
                           <m:t>𝑖𝑗</m:t>
                         </m:r>
                       </m:sub>
@@ -8594,7 +8672,9 @@
                     <m:sSub>
                       <m:sSubPr>
                         <m:ctrlPr>
-                          <a:rPr lang="ru-RU" sz="2400" i="1"/>
+                          <a:rPr lang="ru-RU" sz="2400" i="1">
+                            <a:latin typeface="Cambria Math" panose="02040503050406030204" pitchFamily="18" charset="0"/>
+                          </a:rPr>
                         </m:ctrlPr>
                       </m:sSubPr>
                       <m:e>
@@ -8602,19 +8682,25 @@
                           <m:rPr>
                             <m:sty m:val="p"/>
                           </m:rPr>
-                          <a:rPr lang="en-US" sz="2400"/>
+                          <a:rPr lang="en-US" sz="2400">
+                            <a:latin typeface="Cambria Math" panose="02040503050406030204" pitchFamily="18" charset="0"/>
+                          </a:rPr>
                           <m:t>a</m:t>
                         </m:r>
                       </m:e>
                       <m:sub>
                         <m:r>
-                          <a:rPr lang="en-US" sz="2400" i="1"/>
+                          <a:rPr lang="en-US" sz="2400" i="1">
+                            <a:latin typeface="Cambria Math" panose="02040503050406030204" pitchFamily="18" charset="0"/>
+                          </a:rPr>
                           <m:t>𝑖𝑗</m:t>
                         </m:r>
                       </m:sub>
                     </m:sSub>
                     <m:r>
-                      <a:rPr lang="en-US" sz="2400" i="1"/>
+                      <a:rPr lang="en-US" sz="2400" i="1">
+                        <a:latin typeface="Cambria Math" panose="02040503050406030204" pitchFamily="18" charset="0"/>
+                      </a:rPr>
                       <m:t>=1</m:t>
                     </m:r>
                   </m:oMath>
@@ -8644,7 +8730,9 @@
                     <m:sSub>
                       <m:sSubPr>
                         <m:ctrlPr>
-                          <a:rPr lang="ru-RU" sz="2400" i="1"/>
+                          <a:rPr lang="ru-RU" sz="2400" i="1">
+                            <a:latin typeface="Cambria Math" panose="02040503050406030204" pitchFamily="18" charset="0"/>
+                          </a:rPr>
                         </m:ctrlPr>
                       </m:sSubPr>
                       <m:e>
@@ -8652,19 +8740,25 @@
                           <m:rPr>
                             <m:sty m:val="p"/>
                           </m:rPr>
-                          <a:rPr lang="en-US" sz="2400"/>
+                          <a:rPr lang="en-US" sz="2400">
+                            <a:latin typeface="Cambria Math" panose="02040503050406030204" pitchFamily="18" charset="0"/>
+                          </a:rPr>
                           <m:t>a</m:t>
                         </m:r>
                       </m:e>
                       <m:sub>
                         <m:r>
-                          <a:rPr lang="en-US" sz="2400" i="1"/>
+                          <a:rPr lang="en-US" sz="2400" i="1">
+                            <a:latin typeface="Cambria Math" panose="02040503050406030204" pitchFamily="18" charset="0"/>
+                          </a:rPr>
                           <m:t>𝑖𝑗</m:t>
                         </m:r>
                       </m:sub>
                     </m:sSub>
                     <m:r>
-                      <a:rPr lang="en-US" sz="2400" i="1"/>
+                      <a:rPr lang="en-US" sz="2400" i="1">
+                        <a:latin typeface="Cambria Math" panose="02040503050406030204" pitchFamily="18" charset="0"/>
+                      </a:rPr>
                       <m:t>=5</m:t>
                     </m:r>
                   </m:oMath>
@@ -8678,7 +8772,9 @@
                     <m:sSub>
                       <m:sSubPr>
                         <m:ctrlPr>
-                          <a:rPr lang="ru-RU" sz="2400" i="1"/>
+                          <a:rPr lang="ru-RU" sz="2400" i="1">
+                            <a:latin typeface="Cambria Math" panose="02040503050406030204" pitchFamily="18" charset="0"/>
+                          </a:rPr>
                         </m:ctrlPr>
                       </m:sSubPr>
                       <m:e>
@@ -8686,19 +8782,25 @@
                           <m:rPr>
                             <m:sty m:val="p"/>
                           </m:rPr>
-                          <a:rPr lang="en-US" sz="2400"/>
+                          <a:rPr lang="en-US" sz="2400">
+                            <a:latin typeface="Cambria Math" panose="02040503050406030204" pitchFamily="18" charset="0"/>
+                          </a:rPr>
                           <m:t>a</m:t>
                         </m:r>
                       </m:e>
                       <m:sub>
                         <m:r>
-                          <a:rPr lang="en-US" sz="2400" i="1"/>
+                          <a:rPr lang="en-US" sz="2400" i="1">
+                            <a:latin typeface="Cambria Math" panose="02040503050406030204" pitchFamily="18" charset="0"/>
+                          </a:rPr>
                           <m:t>𝑖𝑗</m:t>
                         </m:r>
                       </m:sub>
                     </m:sSub>
                     <m:r>
-                      <a:rPr lang="en-US" sz="2400" i="1"/>
+                      <a:rPr lang="en-US" sz="2400" i="1">
+                        <a:latin typeface="Cambria Math" panose="02040503050406030204" pitchFamily="18" charset="0"/>
+                      </a:rPr>
                       <m:t>=9</m:t>
                     </m:r>
                   </m:oMath>
@@ -8728,7 +8830,9 @@
                     <m:sSub>
                       <m:sSubPr>
                         <m:ctrlPr>
-                          <a:rPr lang="ru-RU" sz="2400" i="1"/>
+                          <a:rPr lang="ru-RU" sz="2400" i="1">
+                            <a:latin typeface="Cambria Math" panose="02040503050406030204" pitchFamily="18" charset="0"/>
+                          </a:rPr>
                         </m:ctrlPr>
                       </m:sSubPr>
                       <m:e>
@@ -8736,23 +8840,31 @@
                           <m:rPr>
                             <m:sty m:val="p"/>
                           </m:rPr>
-                          <a:rPr lang="en-US" sz="2400"/>
+                          <a:rPr lang="en-US" sz="2400">
+                            <a:latin typeface="Cambria Math" panose="02040503050406030204" pitchFamily="18" charset="0"/>
+                          </a:rPr>
                           <m:t>a</m:t>
                         </m:r>
                       </m:e>
                       <m:sub>
                         <m:r>
-                          <a:rPr lang="en-US" sz="2400" i="1"/>
+                          <a:rPr lang="en-US" sz="2400" i="1">
+                            <a:latin typeface="Cambria Math" panose="02040503050406030204" pitchFamily="18" charset="0"/>
+                          </a:rPr>
                           <m:t>𝑖𝑗</m:t>
                         </m:r>
                       </m:sub>
                     </m:sSub>
                     <m:r>
-                      <a:rPr lang="en-US" sz="2400" i="1"/>
+                      <a:rPr lang="en-US" sz="2400" i="1">
+                        <a:latin typeface="Cambria Math" panose="02040503050406030204" pitchFamily="18" charset="0"/>
+                      </a:rPr>
                       <m:t>=</m:t>
                     </m:r>
                     <m:r>
-                      <a:rPr lang="en-US" sz="2400" i="1"/>
+                      <a:rPr lang="en-US" sz="2400" i="1">
+                        <a:latin typeface="Cambria Math" panose="02040503050406030204" pitchFamily="18" charset="0"/>
+                      </a:rPr>
                       <m:t>𝑘</m:t>
                     </m:r>
                   </m:oMath>
@@ -8766,7 +8878,9 @@
                     <m:sSub>
                       <m:sSubPr>
                         <m:ctrlPr>
-                          <a:rPr lang="ru-RU" sz="2400" i="1"/>
+                          <a:rPr lang="ru-RU" sz="2400" i="1">
+                            <a:latin typeface="Cambria Math" panose="02040503050406030204" pitchFamily="18" charset="0"/>
+                          </a:rPr>
                         </m:ctrlPr>
                       </m:sSubPr>
                       <m:e>
@@ -8774,23 +8888,31 @@
                           <m:rPr>
                             <m:sty m:val="p"/>
                           </m:rPr>
-                          <a:rPr lang="en-US" sz="2400"/>
+                          <a:rPr lang="en-US" sz="2400">
+                            <a:latin typeface="Cambria Math" panose="02040503050406030204" pitchFamily="18" charset="0"/>
+                          </a:rPr>
                           <m:t>a</m:t>
                         </m:r>
                       </m:e>
                       <m:sub>
                         <m:r>
-                          <a:rPr lang="en-US" sz="2400" i="1"/>
+                          <a:rPr lang="en-US" sz="2400" i="1">
+                            <a:latin typeface="Cambria Math" panose="02040503050406030204" pitchFamily="18" charset="0"/>
+                          </a:rPr>
                           <m:t>𝑖𝑗</m:t>
                         </m:r>
                       </m:sub>
                     </m:sSub>
                     <m:r>
-                      <a:rPr lang="en-US" sz="2400" i="1"/>
+                      <a:rPr lang="en-US" sz="2400" i="1">
+                        <a:latin typeface="Cambria Math" panose="02040503050406030204" pitchFamily="18" charset="0"/>
+                      </a:rPr>
                       <m:t>=1/</m:t>
                     </m:r>
                     <m:r>
-                      <a:rPr lang="en-US" sz="2400" i="1"/>
+                      <a:rPr lang="en-US" sz="2400" i="1">
+                        <a:latin typeface="Cambria Math" panose="02040503050406030204" pitchFamily="18" charset="0"/>
+                      </a:rPr>
                       <m:t>𝑘</m:t>
                     </m:r>
                   </m:oMath>
@@ -8804,7 +8926,9 @@
                     <m:sSub>
                       <m:sSubPr>
                         <m:ctrlPr>
-                          <a:rPr lang="ru-RU" sz="2400" i="1"/>
+                          <a:rPr lang="ru-RU" sz="2400" i="1">
+                            <a:latin typeface="Cambria Math" panose="02040503050406030204" pitchFamily="18" charset="0"/>
+                          </a:rPr>
                         </m:ctrlPr>
                       </m:sSubPr>
                       <m:e>
@@ -8812,13 +8936,17 @@
                           <m:rPr>
                             <m:sty m:val="p"/>
                           </m:rPr>
-                          <a:rPr lang="en-US" sz="2400"/>
+                          <a:rPr lang="en-US" sz="2400">
+                            <a:latin typeface="Cambria Math" panose="02040503050406030204" pitchFamily="18" charset="0"/>
+                          </a:rPr>
                           <m:t>a</m:t>
                         </m:r>
                       </m:e>
                       <m:sub>
                         <m:r>
-                          <a:rPr lang="en-US" sz="2400" i="1"/>
+                          <a:rPr lang="en-US" sz="2400" i="1">
+                            <a:latin typeface="Cambria Math" panose="02040503050406030204" pitchFamily="18" charset="0"/>
+                          </a:rPr>
                           <m:t>𝑖𝑗</m:t>
                         </m:r>
                       </m:sub>
@@ -8840,7 +8968,7 @@
             </p:txBody>
           </p:sp>
         </mc:Choice>
-        <mc:Fallback>
+        <mc:Fallback xmlns="">
           <p:sp>
             <p:nvSpPr>
               <p:cNvPr id="3" name="Объект 2"/>
@@ -8931,8 +9059,8 @@
           </a:p>
         </p:txBody>
       </p:sp>
-      <mc:AlternateContent xmlns:mc="http://schemas.openxmlformats.org/markup-compatibility/2006">
-        <mc:Choice xmlns:a14="http://schemas.microsoft.com/office/drawing/2010/main" Requires="a14">
+      <mc:AlternateContent xmlns:mc="http://schemas.openxmlformats.org/markup-compatibility/2006" xmlns:a14="http://schemas.microsoft.com/office/drawing/2010/main">
+        <mc:Choice Requires="a14">
           <p:sp>
             <p:nvSpPr>
               <p:cNvPr id="6" name="Прямоугольник 5"/>
@@ -8991,11 +9119,11 @@
                     <m:sSub>
                       <m:sSubPr>
                         <m:ctrlPr>
-                          <a:rPr lang="ru-RU" sz="2400">
+                          <a:rPr lang="ru-RU" sz="2400" i="1">
                             <a:solidFill>
                               <a:srgbClr val="000000"/>
                             </a:solidFill>
-                            <a:latin typeface="Times New Roman" panose="02020603050405020304" pitchFamily="18" charset="0"/>
+                            <a:latin typeface="Cambria Math" panose="02040503050406030204" pitchFamily="18" charset="0"/>
                             <a:ea typeface="Times New Roman" panose="02020603050405020304" pitchFamily="18" charset="0"/>
                           </a:rPr>
                         </m:ctrlPr>
@@ -9009,7 +9137,7 @@
                             <a:solidFill>
                               <a:srgbClr val="000000"/>
                             </a:solidFill>
-                            <a:latin typeface="Times New Roman" panose="02020603050405020304" pitchFamily="18" charset="0"/>
+                            <a:latin typeface="Cambria Math" panose="02040503050406030204" pitchFamily="18" charset="0"/>
                             <a:ea typeface="Times New Roman" panose="02020603050405020304" pitchFamily="18" charset="0"/>
                           </a:rPr>
                           <m:t>a</m:t>
@@ -9021,7 +9149,7 @@
                             <a:solidFill>
                               <a:srgbClr val="000000"/>
                             </a:solidFill>
-                            <a:latin typeface="Times New Roman" panose="02020603050405020304" pitchFamily="18" charset="0"/>
+                            <a:latin typeface="Cambria Math" panose="02040503050406030204" pitchFamily="18" charset="0"/>
                             <a:ea typeface="Times New Roman" panose="02020603050405020304" pitchFamily="18" charset="0"/>
                           </a:rPr>
                           <m:t>12</m:t>
@@ -9033,7 +9161,7 @@
                         <a:solidFill>
                           <a:srgbClr val="000000"/>
                         </a:solidFill>
-                        <a:latin typeface="Times New Roman" panose="02020603050405020304" pitchFamily="18" charset="0"/>
+                        <a:latin typeface="Cambria Math" panose="02040503050406030204" pitchFamily="18" charset="0"/>
                         <a:ea typeface="Times New Roman" panose="02020603050405020304" pitchFamily="18" charset="0"/>
                       </a:rPr>
                       <m:t>=5</m:t>
@@ -9055,11 +9183,11 @@
                     <m:sSub>
                       <m:sSubPr>
                         <m:ctrlPr>
-                          <a:rPr lang="ru-RU" sz="2400">
+                          <a:rPr lang="ru-RU" sz="2400" i="1">
                             <a:solidFill>
                               <a:srgbClr val="000000"/>
                             </a:solidFill>
-                            <a:latin typeface="Times New Roman" panose="02020603050405020304" pitchFamily="18" charset="0"/>
+                            <a:latin typeface="Cambria Math" panose="02040503050406030204" pitchFamily="18" charset="0"/>
                             <a:ea typeface="Times New Roman" panose="02020603050405020304" pitchFamily="18" charset="0"/>
                           </a:rPr>
                         </m:ctrlPr>
@@ -9073,7 +9201,7 @@
                             <a:solidFill>
                               <a:srgbClr val="000000"/>
                             </a:solidFill>
-                            <a:latin typeface="Times New Roman" panose="02020603050405020304" pitchFamily="18" charset="0"/>
+                            <a:latin typeface="Cambria Math" panose="02040503050406030204" pitchFamily="18" charset="0"/>
                             <a:ea typeface="Times New Roman" panose="02020603050405020304" pitchFamily="18" charset="0"/>
                           </a:rPr>
                           <m:t>a</m:t>
@@ -9085,7 +9213,7 @@
                             <a:solidFill>
                               <a:srgbClr val="000000"/>
                             </a:solidFill>
-                            <a:latin typeface="Times New Roman" panose="02020603050405020304" pitchFamily="18" charset="0"/>
+                            <a:latin typeface="Cambria Math" panose="02040503050406030204" pitchFamily="18" charset="0"/>
                             <a:ea typeface="Times New Roman" panose="02020603050405020304" pitchFamily="18" charset="0"/>
                           </a:rPr>
                           <m:t>21</m:t>
@@ -9097,7 +9225,7 @@
                         <a:solidFill>
                           <a:srgbClr val="000000"/>
                         </a:solidFill>
-                        <a:latin typeface="Times New Roman" panose="02020603050405020304" pitchFamily="18" charset="0"/>
+                        <a:latin typeface="Cambria Math" panose="02040503050406030204" pitchFamily="18" charset="0"/>
                         <a:ea typeface="Times New Roman" panose="02020603050405020304" pitchFamily="18" charset="0"/>
                       </a:rPr>
                       <m:t>=1/5</m:t>
@@ -9137,7 +9265,7 @@
             </p:txBody>
           </p:sp>
         </mc:Choice>
-        <mc:Fallback>
+        <mc:Fallback xmlns="">
           <p:sp>
             <p:nvSpPr>
               <p:cNvPr id="6" name="Прямоугольник 5"/>
@@ -9262,8 +9390,8 @@
           </a:p>
         </p:txBody>
       </p:sp>
-      <mc:AlternateContent xmlns:mc="http://schemas.openxmlformats.org/markup-compatibility/2006">
-        <mc:Choice xmlns:a14="http://schemas.microsoft.com/office/drawing/2010/main" Requires="a14">
+      <mc:AlternateContent xmlns:mc="http://schemas.openxmlformats.org/markup-compatibility/2006" xmlns:a14="http://schemas.microsoft.com/office/drawing/2010/main">
+        <mc:Choice Requires="a14">
           <p:sp>
             <p:nvSpPr>
               <p:cNvPr id="3" name="Прямоугольник 2"/>
@@ -9300,7 +9428,7 @@
                     <m:sSub>
                       <m:sSubPr>
                         <m:ctrlPr>
-                          <a:rPr lang="ru-RU" sz="2000">
+                          <a:rPr lang="ru-RU" sz="2000" i="1">
                             <a:effectLst/>
                             <a:latin typeface="Cambria Math" panose="02040503050406030204" pitchFamily="18" charset="0"/>
                           </a:rPr>
@@ -9356,7 +9484,7 @@
                     <m:sSub>
                       <m:sSubPr>
                         <m:ctrlPr>
-                          <a:rPr lang="ru-RU" sz="2000">
+                          <a:rPr lang="ru-RU" sz="2000" i="1">
                             <a:effectLst/>
                             <a:latin typeface="Cambria Math" panose="02040503050406030204" pitchFamily="18" charset="0"/>
                           </a:rPr>
@@ -9415,7 +9543,7 @@
             </p:txBody>
           </p:sp>
         </mc:Choice>
-        <mc:Fallback>
+        <mc:Fallback xmlns="">
           <p:sp>
             <p:nvSpPr>
               <p:cNvPr id="3" name="Прямоугольник 2"/>
@@ -9487,8 +9615,8 @@
           </a:ln>
         </p:spPr>
       </p:pic>
-      <mc:AlternateContent xmlns:mc="http://schemas.openxmlformats.org/markup-compatibility/2006">
-        <mc:Choice xmlns:a14="http://schemas.microsoft.com/office/drawing/2010/main" Requires="a14">
+      <mc:AlternateContent xmlns:mc="http://schemas.openxmlformats.org/markup-compatibility/2006" xmlns:a14="http://schemas.microsoft.com/office/drawing/2010/main">
+        <mc:Choice Requires="a14">
           <p:sp>
             <p:nvSpPr>
               <p:cNvPr id="4" name="Прямоугольник 3"/>
@@ -9655,7 +9783,7 @@
             </p:txBody>
           </p:sp>
         </mc:Choice>
-        <mc:Fallback>
+        <mc:Fallback xmlns="">
           <p:sp>
             <p:nvSpPr>
               <p:cNvPr id="4" name="Прямоугольник 3"/>
